--- a/Präsentationen/Lehrer_Vorstellung/Fertig.pptx
+++ b/Präsentationen/Lehrer_Vorstellung/Fertig.pptx
@@ -2086,8 +2086,81 @@
               <a:buNone/>
             </a:pPr>
             <a:r>
+              <a:rPr lang="de-DE" b="1" dirty="0"/>
+              <a:t>Überprüfung von Vorurteilen</a:t>
+            </a:r>
+            <a:r>
               <a:rPr lang="de-DE" dirty="0"/>
-              <a:t>Zwischen den Zeitungen</a:t>
+              <a:t>: Widerlegung der Annahme, dass amerikanische und britische Zeitungen grundlegend unterschiedlich berichten.</a:t>
+            </a:r>
+          </a:p>
+          <a:p>
+            <a:pPr marL="0" lvl="0" indent="0" algn="l" rtl="0">
+              <a:spcBef>
+                <a:spcPts val="0"/>
+              </a:spcBef>
+              <a:spcAft>
+                <a:spcPts val="0"/>
+              </a:spcAft>
+              <a:buNone/>
+            </a:pPr>
+            <a:r>
+              <a:rPr lang="de-DE" b="1" dirty="0"/>
+              <a:t>Stärkung des Vertrauens in Qualitätsmedien</a:t>
+            </a:r>
+            <a:r>
+              <a:rPr lang="de-DE" dirty="0"/>
+              <a:t>: Beleg für objektive und einheitliche Berichterstattung in seriösen Medien.</a:t>
+            </a:r>
+          </a:p>
+          <a:p>
+            <a:pPr marL="0" lvl="0" indent="0" algn="l" rtl="0">
+              <a:spcBef>
+                <a:spcPts val="0"/>
+              </a:spcBef>
+              <a:spcAft>
+                <a:spcPts val="0"/>
+              </a:spcAft>
+              <a:buNone/>
+            </a:pPr>
+            <a:endParaRPr lang="de-DE" b="1" dirty="0"/>
+          </a:p>
+          <a:p>
+            <a:pPr marL="0" lvl="0" indent="0" algn="l" rtl="0">
+              <a:spcBef>
+                <a:spcPts val="0"/>
+              </a:spcBef>
+              <a:spcAft>
+                <a:spcPts val="0"/>
+              </a:spcAft>
+              <a:buNone/>
+            </a:pPr>
+            <a:r>
+              <a:rPr lang="de-DE" b="1" dirty="0"/>
+              <a:t>Ansatz für zukünftige Forschung</a:t>
+            </a:r>
+            <a:r>
+              <a:rPr lang="de-DE" dirty="0"/>
+              <a:t>: Untersuchung globaler Standards und Agenturen in der Gleichförmigkeit der Berichterstattung.</a:t>
+            </a:r>
+          </a:p>
+          <a:p>
+            <a:pPr marL="0" lvl="0" indent="0" algn="l" rtl="0">
+              <a:spcBef>
+                <a:spcPts val="0"/>
+              </a:spcBef>
+              <a:spcAft>
+                <a:spcPts val="0"/>
+              </a:spcAft>
+              <a:buNone/>
+            </a:pPr>
+            <a:r>
+              <a:rPr lang="de-DE" b="1" dirty="0"/>
+              <a:t>Bildungswert</a:t>
+            </a:r>
+            <a:r>
+              <a:rPr lang="de-DE" dirty="0"/>
+              <a:t>: Förderung kritischen Denkens und Integration in Schulen/Universitäten als Beispiel für datenbasierte Argumentation.</a:t>
             </a:r>
             <a:endParaRPr dirty="0"/>
           </a:p>
@@ -39458,11 +39531,41 @@
               <a:spcAft>
                 <a:spcPts val="0"/>
               </a:spcAft>
-              <a:buNone/>
             </a:pPr>
             <a:r>
               <a:rPr lang="en" dirty="0"/>
-              <a:t>- Überprüfung von Vorurteilen und Behauptungen</a:t>
+              <a:t>- </a:t>
+            </a:r>
+            <a:r>
+              <a:rPr lang="en-GB" dirty="0" err="1"/>
+              <a:t>Überprüfung</a:t>
+            </a:r>
+            <a:r>
+              <a:rPr lang="en-GB" dirty="0"/>
+              <a:t> von </a:t>
+            </a:r>
+            <a:r>
+              <a:rPr lang="en-GB" dirty="0" err="1"/>
+              <a:t>Vorurteilen</a:t>
+            </a:r>
+            <a:r>
+              <a:rPr lang="en-GB" dirty="0"/>
+              <a:t>:</a:t>
+            </a:r>
+            <a:endParaRPr lang="en" dirty="0"/>
+          </a:p>
+          <a:p>
+            <a:pPr marL="0" lvl="0" indent="0" algn="l" rtl="0">
+              <a:spcBef>
+                <a:spcPts val="0"/>
+              </a:spcBef>
+              <a:spcAft>
+                <a:spcPts val="0"/>
+              </a:spcAft>
+            </a:pPr>
+            <a:r>
+              <a:rPr lang="de-DE" dirty="0"/>
+              <a:t>- Stärkung des Vertrauens in Qualitätsmedien</a:t>
             </a:r>
           </a:p>
           <a:p>
@@ -39473,13 +39576,10 @@
               <a:spcAft>
                 <a:spcPts val="0"/>
               </a:spcAft>
-              <a:buNone/>
             </a:pPr>
             <a:r>
-              <a:rPr lang="en" dirty="0">
-                <a:sym typeface="Wingdings" panose="05000000000000000000" pitchFamily="2" charset="2"/>
-              </a:rPr>
-              <a:t> Keine Veränderung</a:t>
+              <a:rPr lang="de-DE" dirty="0"/>
+              <a:t>- Sicherheit bei der Auswahl von Medien</a:t>
             </a:r>
           </a:p>
           <a:p>
@@ -39490,13 +39590,24 @@
               <a:spcAft>
                 <a:spcPts val="0"/>
               </a:spcAft>
-              <a:buNone/>
             </a:pPr>
             <a:r>
-              <a:rPr lang="en" dirty="0">
-                <a:sym typeface="Wingdings" panose="05000000000000000000" pitchFamily="2" charset="2"/>
-              </a:rPr>
-              <a:t> Große Veränderung</a:t>
+              <a:rPr lang="de-DE" dirty="0"/>
+              <a:t>- Ansatz für zukünftige Forschung</a:t>
+            </a:r>
+          </a:p>
+          <a:p>
+            <a:pPr marL="0" lvl="0" indent="0" algn="l" rtl="0">
+              <a:spcBef>
+                <a:spcPts val="0"/>
+              </a:spcBef>
+              <a:spcAft>
+                <a:spcPts val="0"/>
+              </a:spcAft>
+            </a:pPr>
+            <a:r>
+              <a:rPr lang="de-DE" dirty="0"/>
+              <a:t>- Bildungswert</a:t>
             </a:r>
             <a:endParaRPr dirty="0"/>
           </a:p>
